--- a/lesson6/Java-basic-variable-datatype-operators.pptx
+++ b/lesson6/Java-basic-variable-datatype-operators.pptx
@@ -13,9 +13,10 @@
     <p:sldId id="264" r:id="rId7"/>
     <p:sldId id="260" r:id="rId8"/>
     <p:sldId id="261" r:id="rId9"/>
-    <p:sldId id="262" r:id="rId10"/>
-    <p:sldId id="265" r:id="rId11"/>
-    <p:sldId id="266" r:id="rId12"/>
+    <p:sldId id="267" r:id="rId10"/>
+    <p:sldId id="262" r:id="rId11"/>
+    <p:sldId id="265" r:id="rId12"/>
+    <p:sldId id="266" r:id="rId13"/>
   </p:sldIdLst>
   <p:sldSz cx="9144000" cy="6858000" type="screen4x3"/>
   <p:notesSz cx="6858000" cy="9144000"/>
@@ -299,7 +300,7 @@
             <a:fld id="{530820CF-B880-4189-942D-D702A7CBA730}" type="datetimeFigureOut">
               <a:rPr lang="zh-CN" altLang="en-US" smtClean="0"/>
               <a:pPr/>
-              <a:t>2015/4/14</a:t>
+              <a:t>2015/4/15</a:t>
             </a:fld>
             <a:endParaRPr lang="zh-CN" altLang="en-US"/>
           </a:p>
@@ -466,7 +467,7 @@
             <a:fld id="{530820CF-B880-4189-942D-D702A7CBA730}" type="datetimeFigureOut">
               <a:rPr lang="zh-CN" altLang="en-US" smtClean="0"/>
               <a:pPr/>
-              <a:t>2015/4/14</a:t>
+              <a:t>2015/4/15</a:t>
             </a:fld>
             <a:endParaRPr lang="zh-CN" altLang="en-US"/>
           </a:p>
@@ -643,7 +644,7 @@
             <a:fld id="{530820CF-B880-4189-942D-D702A7CBA730}" type="datetimeFigureOut">
               <a:rPr lang="zh-CN" altLang="en-US" smtClean="0"/>
               <a:pPr/>
-              <a:t>2015/4/14</a:t>
+              <a:t>2015/4/15</a:t>
             </a:fld>
             <a:endParaRPr lang="zh-CN" altLang="en-US"/>
           </a:p>
@@ -810,7 +811,7 @@
             <a:fld id="{530820CF-B880-4189-942D-D702A7CBA730}" type="datetimeFigureOut">
               <a:rPr lang="zh-CN" altLang="en-US" smtClean="0"/>
               <a:pPr/>
-              <a:t>2015/4/14</a:t>
+              <a:t>2015/4/15</a:t>
             </a:fld>
             <a:endParaRPr lang="zh-CN" altLang="en-US"/>
           </a:p>
@@ -1053,7 +1054,7 @@
             <a:fld id="{530820CF-B880-4189-942D-D702A7CBA730}" type="datetimeFigureOut">
               <a:rPr lang="zh-CN" altLang="en-US" smtClean="0"/>
               <a:pPr/>
-              <a:t>2015/4/14</a:t>
+              <a:t>2015/4/15</a:t>
             </a:fld>
             <a:endParaRPr lang="zh-CN" altLang="en-US"/>
           </a:p>
@@ -1338,7 +1339,7 @@
             <a:fld id="{530820CF-B880-4189-942D-D702A7CBA730}" type="datetimeFigureOut">
               <a:rPr lang="zh-CN" altLang="en-US" smtClean="0"/>
               <a:pPr/>
-              <a:t>2015/4/14</a:t>
+              <a:t>2015/4/15</a:t>
             </a:fld>
             <a:endParaRPr lang="zh-CN" altLang="en-US"/>
           </a:p>
@@ -1757,7 +1758,7 @@
             <a:fld id="{530820CF-B880-4189-942D-D702A7CBA730}" type="datetimeFigureOut">
               <a:rPr lang="zh-CN" altLang="en-US" smtClean="0"/>
               <a:pPr/>
-              <a:t>2015/4/14</a:t>
+              <a:t>2015/4/15</a:t>
             </a:fld>
             <a:endParaRPr lang="zh-CN" altLang="en-US"/>
           </a:p>
@@ -1872,7 +1873,7 @@
             <a:fld id="{530820CF-B880-4189-942D-D702A7CBA730}" type="datetimeFigureOut">
               <a:rPr lang="zh-CN" altLang="en-US" smtClean="0"/>
               <a:pPr/>
-              <a:t>2015/4/14</a:t>
+              <a:t>2015/4/15</a:t>
             </a:fld>
             <a:endParaRPr lang="zh-CN" altLang="en-US"/>
           </a:p>
@@ -1964,7 +1965,7 @@
             <a:fld id="{530820CF-B880-4189-942D-D702A7CBA730}" type="datetimeFigureOut">
               <a:rPr lang="zh-CN" altLang="en-US" smtClean="0"/>
               <a:pPr/>
-              <a:t>2015/4/14</a:t>
+              <a:t>2015/4/15</a:t>
             </a:fld>
             <a:endParaRPr lang="zh-CN" altLang="en-US"/>
           </a:p>
@@ -2238,7 +2239,7 @@
             <a:fld id="{530820CF-B880-4189-942D-D702A7CBA730}" type="datetimeFigureOut">
               <a:rPr lang="zh-CN" altLang="en-US" smtClean="0"/>
               <a:pPr/>
-              <a:t>2015/4/14</a:t>
+              <a:t>2015/4/15</a:t>
             </a:fld>
             <a:endParaRPr lang="zh-CN" altLang="en-US"/>
           </a:p>
@@ -2488,7 +2489,7 @@
             <a:fld id="{530820CF-B880-4189-942D-D702A7CBA730}" type="datetimeFigureOut">
               <a:rPr lang="zh-CN" altLang="en-US" smtClean="0"/>
               <a:pPr/>
-              <a:t>2015/4/14</a:t>
+              <a:t>2015/4/15</a:t>
             </a:fld>
             <a:endParaRPr lang="zh-CN" altLang="en-US"/>
           </a:p>
@@ -2698,7 +2699,7 @@
             <a:fld id="{530820CF-B880-4189-942D-D702A7CBA730}" type="datetimeFigureOut">
               <a:rPr lang="zh-CN" altLang="en-US" smtClean="0"/>
               <a:pPr/>
-              <a:t>2015/4/14</a:t>
+              <a:t>2015/4/15</a:t>
             </a:fld>
             <a:endParaRPr lang="zh-CN" altLang="en-US"/>
           </a:p>
@@ -3161,7 +3162,7 @@
           <a:p>
             <a:r>
               <a:rPr lang="zh-CN" altLang="en-US" dirty="0" smtClean="0"/>
-              <a:t>运算符</a:t>
+              <a:t>练习</a:t>
             </a:r>
             <a:endParaRPr lang="zh-CN" altLang="en-US" dirty="0"/>
           </a:p>
@@ -3179,65 +3180,23 @@
         </p:nvSpPr>
         <p:spPr/>
         <p:txBody>
-          <a:bodyPr>
-            <a:normAutofit fontScale="85000" lnSpcReduction="20000"/>
-          </a:bodyPr>
+          <a:bodyPr/>
           <a:lstStyle/>
           <a:p>
             <a:r>
               <a:rPr lang="zh-CN" altLang="en-US" dirty="0" smtClean="0"/>
-              <a:t>算数运算</a:t>
+              <a:t>练习所有的基本类型和高级类型</a:t>
             </a:r>
             <a:endParaRPr lang="en-US" altLang="zh-CN" dirty="0" smtClean="0"/>
           </a:p>
           <a:p>
-            <a:pPr lvl="1"/>
-            <a:r>
-              <a:rPr lang="en-US" altLang="zh-CN" dirty="0" smtClean="0"/>
-              <a:t>+</a:t>
-            </a:r>
-          </a:p>
-          <a:p>
-            <a:pPr lvl="1"/>
-            <a:r>
-              <a:rPr lang="en-US" altLang="zh-CN" dirty="0" smtClean="0"/>
-              <a:t>-</a:t>
-            </a:r>
-          </a:p>
-          <a:p>
-            <a:pPr lvl="1"/>
-            <a:r>
-              <a:rPr lang="en-US" altLang="zh-CN" dirty="0" smtClean="0"/>
-              <a:t>*</a:t>
-            </a:r>
-          </a:p>
-          <a:p>
-            <a:pPr lvl="1"/>
-            <a:r>
-              <a:rPr lang="en-US" altLang="zh-CN" dirty="0" smtClean="0"/>
-              <a:t>/</a:t>
-            </a:r>
-          </a:p>
-          <a:p>
-            <a:pPr lvl="1"/>
-            <a:r>
-              <a:rPr lang="en-US" altLang="zh-CN" dirty="0" smtClean="0"/>
-              <a:t>%</a:t>
-            </a:r>
-          </a:p>
-          <a:p>
-            <a:pPr lvl="1"/>
-            <a:r>
-              <a:rPr lang="en-US" altLang="zh-CN" dirty="0" smtClean="0"/>
-              <a:t>Math</a:t>
-            </a:r>
             <a:r>
               <a:rPr lang="zh-CN" altLang="en-US" dirty="0" smtClean="0"/>
-              <a:t>库中的方法（如</a:t>
-            </a:r>
-            <a:r>
-              <a:rPr lang="en-US" altLang="zh-CN" dirty="0" err="1" smtClean="0"/>
-              <a:t>pow</a:t>
+              <a:t>特别练习</a:t>
+            </a:r>
+            <a:r>
+              <a:rPr lang="en-US" altLang="zh-CN" dirty="0" err="1" smtClean="0"/>
+              <a:t>StringBuffer</a:t>
             </a:r>
             <a:r>
               <a:rPr lang="en-US" altLang="zh-CN" dirty="0" smtClean="0"/>
@@ -3245,57 +3204,22 @@
             </a:r>
             <a:r>
               <a:rPr lang="en-US" altLang="zh-CN" dirty="0" err="1" smtClean="0"/>
-              <a:t>sqrt</a:t>
-            </a:r>
-            <a:r>
-              <a:rPr lang="en-US" altLang="zh-CN" dirty="0" smtClean="0"/>
-              <a:t>, log, log10</a:t>
-            </a:r>
-            <a:r>
-              <a:rPr lang="zh-CN" altLang="en-US" dirty="0" smtClean="0"/>
-              <a:t>等）</a:t>
-            </a:r>
-            <a:endParaRPr lang="en-US" altLang="zh-CN" dirty="0" smtClean="0"/>
-          </a:p>
-          <a:p>
-            <a:r>
-              <a:rPr lang="zh-CN" altLang="en-US" dirty="0" smtClean="0"/>
-              <a:t>字符</a:t>
-            </a:r>
-            <a:r>
-              <a:rPr lang="zh-CN" altLang="en-US" dirty="0" smtClean="0"/>
-              <a:t>串运算</a:t>
-            </a:r>
-            <a:endParaRPr lang="en-US" altLang="zh-CN" dirty="0" smtClean="0"/>
-          </a:p>
-          <a:p>
-            <a:pPr lvl="1"/>
-            <a:r>
-              <a:rPr lang="en-US" altLang="zh-CN" dirty="0" err="1" smtClean="0"/>
-              <a:t>concat</a:t>
-            </a:r>
-            <a:endParaRPr lang="en-US" altLang="zh-CN" dirty="0" smtClean="0"/>
-          </a:p>
-          <a:p>
-            <a:pPr lvl="1"/>
-            <a:r>
-              <a:rPr lang="en-US" altLang="zh-CN" dirty="0" smtClean="0"/>
-              <a:t>length</a:t>
-            </a:r>
-          </a:p>
-          <a:p>
-            <a:pPr lvl="1"/>
-            <a:r>
-              <a:rPr lang="en-US" altLang="zh-CN" dirty="0" smtClean="0"/>
-              <a:t>reverse</a:t>
-            </a:r>
-          </a:p>
-          <a:p>
-            <a:pPr lvl="1"/>
-            <a:r>
-              <a:rPr lang="en-US" altLang="zh-CN" dirty="0" smtClean="0"/>
-              <a:t>contains</a:t>
-            </a:r>
+              <a:t>ArrayList</a:t>
+            </a:r>
+            <a:r>
+              <a:rPr lang="en-US" altLang="zh-CN" dirty="0" smtClean="0"/>
+              <a:t>, </a:t>
+            </a:r>
+            <a:r>
+              <a:rPr lang="en-US" altLang="zh-CN" dirty="0" err="1" smtClean="0"/>
+              <a:t>HashMap</a:t>
+            </a:r>
+            <a:endParaRPr lang="zh-CN" altLang="en-US" dirty="0" smtClean="0"/>
+          </a:p>
+          <a:p>
+            <a:endParaRPr lang="zh-CN" altLang="en-US" dirty="0" smtClean="0"/>
+          </a:p>
+          <a:p>
             <a:endParaRPr lang="zh-CN" altLang="en-US" dirty="0"/>
           </a:p>
         </p:txBody>
@@ -3305,6 +3229,13 @@
   <p:clrMapOvr>
     <a:masterClrMapping/>
   </p:clrMapOvr>
+  <p:timing>
+    <p:tnLst>
+      <p:par>
+        <p:cTn id="1" dur="indefinite" restart="never" nodeType="tmRoot"/>
+      </p:par>
+    </p:tnLst>
+  </p:timing>
 </p:sld>
 </file>
 
@@ -3342,6 +3273,187 @@
           <a:p>
             <a:r>
               <a:rPr lang="zh-CN" altLang="en-US" dirty="0" smtClean="0"/>
+              <a:t>运算符</a:t>
+            </a:r>
+            <a:endParaRPr lang="zh-CN" altLang="en-US" dirty="0"/>
+          </a:p>
+        </p:txBody>
+      </p:sp>
+      <p:sp>
+        <p:nvSpPr>
+          <p:cNvPr id="3" name="内容占位符 2"/>
+          <p:cNvSpPr>
+            <a:spLocks noGrp="1"/>
+          </p:cNvSpPr>
+          <p:nvPr>
+            <p:ph idx="1"/>
+          </p:nvPr>
+        </p:nvSpPr>
+        <p:spPr/>
+        <p:txBody>
+          <a:bodyPr>
+            <a:normAutofit fontScale="85000" lnSpcReduction="20000"/>
+          </a:bodyPr>
+          <a:lstStyle/>
+          <a:p>
+            <a:r>
+              <a:rPr lang="zh-CN" altLang="en-US" dirty="0" smtClean="0"/>
+              <a:t>算数运算</a:t>
+            </a:r>
+            <a:endParaRPr lang="en-US" altLang="zh-CN" dirty="0" smtClean="0"/>
+          </a:p>
+          <a:p>
+            <a:pPr lvl="1"/>
+            <a:r>
+              <a:rPr lang="en-US" altLang="zh-CN" dirty="0" smtClean="0"/>
+              <a:t>+</a:t>
+            </a:r>
+          </a:p>
+          <a:p>
+            <a:pPr lvl="1"/>
+            <a:r>
+              <a:rPr lang="en-US" altLang="zh-CN" dirty="0" smtClean="0"/>
+              <a:t>-</a:t>
+            </a:r>
+          </a:p>
+          <a:p>
+            <a:pPr lvl="1"/>
+            <a:r>
+              <a:rPr lang="en-US" altLang="zh-CN" dirty="0" smtClean="0"/>
+              <a:t>*</a:t>
+            </a:r>
+          </a:p>
+          <a:p>
+            <a:pPr lvl="1"/>
+            <a:r>
+              <a:rPr lang="en-US" altLang="zh-CN" dirty="0" smtClean="0"/>
+              <a:t>/</a:t>
+            </a:r>
+          </a:p>
+          <a:p>
+            <a:pPr lvl="1"/>
+            <a:r>
+              <a:rPr lang="en-US" altLang="zh-CN" dirty="0" smtClean="0"/>
+              <a:t>%</a:t>
+            </a:r>
+          </a:p>
+          <a:p>
+            <a:pPr lvl="1"/>
+            <a:r>
+              <a:rPr lang="en-US" altLang="zh-CN" dirty="0" smtClean="0"/>
+              <a:t>Math</a:t>
+            </a:r>
+            <a:r>
+              <a:rPr lang="zh-CN" altLang="en-US" dirty="0" smtClean="0"/>
+              <a:t>库中的方法（如</a:t>
+            </a:r>
+            <a:r>
+              <a:rPr lang="en-US" altLang="zh-CN" dirty="0" err="1" smtClean="0"/>
+              <a:t>pow</a:t>
+            </a:r>
+            <a:r>
+              <a:rPr lang="en-US" altLang="zh-CN" dirty="0" smtClean="0"/>
+              <a:t>, </a:t>
+            </a:r>
+            <a:r>
+              <a:rPr lang="en-US" altLang="zh-CN" dirty="0" err="1" smtClean="0"/>
+              <a:t>sqrt</a:t>
+            </a:r>
+            <a:r>
+              <a:rPr lang="en-US" altLang="zh-CN" dirty="0" smtClean="0"/>
+              <a:t>, log, log10</a:t>
+            </a:r>
+            <a:r>
+              <a:rPr lang="zh-CN" altLang="en-US" dirty="0" smtClean="0"/>
+              <a:t>等）</a:t>
+            </a:r>
+            <a:endParaRPr lang="en-US" altLang="zh-CN" dirty="0" smtClean="0"/>
+          </a:p>
+          <a:p>
+            <a:r>
+              <a:rPr lang="zh-CN" altLang="en-US" dirty="0" smtClean="0"/>
+              <a:t>字符串运算</a:t>
+            </a:r>
+            <a:endParaRPr lang="en-US" altLang="zh-CN" dirty="0" smtClean="0"/>
+          </a:p>
+          <a:p>
+            <a:pPr lvl="1"/>
+            <a:r>
+              <a:rPr lang="en-US" altLang="zh-CN" dirty="0" err="1" smtClean="0"/>
+              <a:t>concat</a:t>
+            </a:r>
+            <a:r>
+              <a:rPr lang="en-US" altLang="zh-CN" dirty="0" smtClean="0"/>
+              <a:t>: “123”.concat(“456”)</a:t>
+            </a:r>
+            <a:endParaRPr lang="en-US" altLang="zh-CN" dirty="0" smtClean="0"/>
+          </a:p>
+          <a:p>
+            <a:pPr lvl="1"/>
+            <a:r>
+              <a:rPr lang="en-US" altLang="zh-CN" dirty="0" smtClean="0"/>
+              <a:t>length</a:t>
+            </a:r>
+          </a:p>
+          <a:p>
+            <a:pPr lvl="1"/>
+            <a:r>
+              <a:rPr lang="en-US" altLang="zh-CN" dirty="0" smtClean="0"/>
+              <a:t>reverse</a:t>
+            </a:r>
+          </a:p>
+          <a:p>
+            <a:pPr lvl="1"/>
+            <a:r>
+              <a:rPr lang="en-US" altLang="zh-CN" dirty="0" smtClean="0"/>
+              <a:t>contains</a:t>
+            </a:r>
+            <a:endParaRPr lang="zh-CN" altLang="en-US" dirty="0"/>
+          </a:p>
+        </p:txBody>
+      </p:sp>
+    </p:spTree>
+  </p:cSld>
+  <p:clrMapOvr>
+    <a:masterClrMapping/>
+  </p:clrMapOvr>
+</p:sld>
+</file>
+
+<file path=ppt/slides/slide12.xml><?xml version="1.0" encoding="utf-8"?>
+<p:sld xmlns:a="http://schemas.openxmlformats.org/drawingml/2006/main" xmlns:r="http://schemas.openxmlformats.org/officeDocument/2006/relationships" xmlns:p="http://schemas.openxmlformats.org/presentationml/2006/main">
+  <p:cSld>
+    <p:spTree>
+      <p:nvGrpSpPr>
+        <p:cNvPr id="1" name=""/>
+        <p:cNvGrpSpPr/>
+        <p:nvPr/>
+      </p:nvGrpSpPr>
+      <p:grpSpPr>
+        <a:xfrm>
+          <a:off x="0" y="0"/>
+          <a:ext cx="0" cy="0"/>
+          <a:chOff x="0" y="0"/>
+          <a:chExt cx="0" cy="0"/>
+        </a:xfrm>
+      </p:grpSpPr>
+      <p:sp>
+        <p:nvSpPr>
+          <p:cNvPr id="2" name="标题 1"/>
+          <p:cNvSpPr>
+            <a:spLocks noGrp="1"/>
+          </p:cNvSpPr>
+          <p:nvPr>
+            <p:ph type="title"/>
+          </p:nvPr>
+        </p:nvSpPr>
+        <p:spPr/>
+        <p:txBody>
+          <a:bodyPr/>
+          <a:lstStyle/>
+          <a:p>
+            <a:r>
+              <a:rPr lang="zh-CN" altLang="en-US" dirty="0" smtClean="0"/>
               <a:t>练习</a:t>
             </a:r>
             <a:endParaRPr lang="zh-CN" altLang="en-US" dirty="0"/>
@@ -3414,15 +3526,7 @@
             </a:r>
             <a:r>
               <a:rPr lang="en-US" altLang="zh-CN" dirty="0" smtClean="0"/>
-              <a:t> x </a:t>
-            </a:r>
-            <a:r>
-              <a:rPr lang="en-US" altLang="zh-CN" dirty="0" smtClean="0"/>
-              <a:t>= </a:t>
-            </a:r>
-            <a:r>
-              <a:rPr lang="en-US" altLang="zh-CN" dirty="0" smtClean="0"/>
-              <a:t>new </a:t>
+              <a:t> x = new </a:t>
             </a:r>
             <a:r>
               <a:rPr lang="en-US" altLang="zh-CN" dirty="0" err="1" smtClean="0"/>
@@ -3432,7 +3536,6 @@
               <a:rPr lang="en-US" altLang="zh-CN" dirty="0" smtClean="0"/>
               <a:t>(“123”);</a:t>
             </a:r>
-            <a:endParaRPr lang="en-US" altLang="zh-CN" dirty="0" smtClean="0"/>
           </a:p>
           <a:p>
             <a:pPr lvl="1"/>
@@ -3462,11 +3565,7 @@
             </a:r>
             <a:r>
               <a:rPr lang="en-US" altLang="zh-CN" dirty="0" smtClean="0"/>
-              <a:t>&lt;Integer&gt; </a:t>
-            </a:r>
-            <a:r>
-              <a:rPr lang="en-US" altLang="zh-CN" dirty="0" smtClean="0"/>
-              <a:t>x = new </a:t>
+              <a:t>&lt;Integer&gt; x = new </a:t>
             </a:r>
             <a:r>
               <a:rPr lang="en-US" altLang="zh-CN" dirty="0" err="1" smtClean="0"/>
@@ -3474,13 +3573,8 @@
             </a:r>
             <a:r>
               <a:rPr lang="en-US" altLang="zh-CN" dirty="0" smtClean="0"/>
-              <a:t>&lt;Integer</a:t>
-            </a:r>
-            <a:r>
-              <a:rPr lang="en-US" altLang="zh-CN" dirty="0" smtClean="0"/>
-              <a:t>&gt;();</a:t>
-            </a:r>
-            <a:endParaRPr lang="en-US" altLang="zh-CN" dirty="0" smtClean="0"/>
+              <a:t>&lt;Integer&gt;();</a:t>
+            </a:r>
           </a:p>
           <a:p>
             <a:pPr lvl="1"/>
@@ -3498,11 +3592,7 @@
             </a:r>
             <a:r>
               <a:rPr lang="zh-CN" altLang="en-US" dirty="0" smtClean="0"/>
-              <a:t>然后逐一查看每个方法，即功能</a:t>
-            </a:r>
-            <a:r>
-              <a:rPr lang="zh-CN" altLang="en-US" dirty="0" smtClean="0"/>
-              <a:t>）</a:t>
+              <a:t>然后逐一查看每个方法，即功能）</a:t>
             </a:r>
             <a:endParaRPr lang="en-US" altLang="zh-CN" dirty="0" smtClean="0"/>
           </a:p>
@@ -3514,11 +3604,7 @@
             </a:r>
             <a:r>
               <a:rPr lang="en-US" altLang="zh-CN" dirty="0" smtClean="0"/>
-              <a:t>&lt;Integer</a:t>
-            </a:r>
-            <a:r>
-              <a:rPr lang="en-US" altLang="zh-CN" dirty="0" smtClean="0"/>
-              <a:t>&gt; x = new </a:t>
+              <a:t>&lt;Integer&gt; x = new </a:t>
             </a:r>
             <a:r>
               <a:rPr lang="en-US" altLang="zh-CN" dirty="0" err="1" smtClean="0"/>
@@ -3526,11 +3612,7 @@
             </a:r>
             <a:r>
               <a:rPr lang="en-US" altLang="zh-CN" dirty="0" smtClean="0"/>
-              <a:t>&lt;Integer</a:t>
-            </a:r>
-            <a:r>
-              <a:rPr lang="en-US" altLang="zh-CN" dirty="0" smtClean="0"/>
-              <a:t>&gt;();</a:t>
+              <a:t>&lt;Integer&gt;();</a:t>
             </a:r>
           </a:p>
           <a:p>
@@ -3652,11 +3734,7 @@
           <a:p>
             <a:r>
               <a:rPr lang="zh-CN" altLang="en-US" dirty="0" smtClean="0"/>
-              <a:t>形式</a:t>
-            </a:r>
-            <a:r>
-              <a:rPr lang="zh-CN" altLang="en-US" dirty="0" smtClean="0"/>
-              <a:t>化：</a:t>
+              <a:t>形式化：</a:t>
             </a:r>
             <a:r>
               <a:rPr lang="en-US" altLang="zh-CN" dirty="0" smtClean="0"/>
@@ -3700,11 +3778,7 @@
           <a:p>
             <a:r>
               <a:rPr lang="zh-CN" altLang="en-US" dirty="0" smtClean="0"/>
-              <a:t>变</a:t>
-            </a:r>
-            <a:r>
-              <a:rPr lang="zh-CN" altLang="en-US" dirty="0" smtClean="0"/>
-              <a:t>量初始化</a:t>
+              <a:t>变量初始化</a:t>
             </a:r>
             <a:r>
               <a:rPr lang="en-US" altLang="zh-CN" dirty="0" smtClean="0"/>
@@ -4132,7 +4206,6 @@
               <a:rPr lang="en-US" altLang="zh-CN" dirty="0" smtClean="0"/>
               <a:t> b = x &gt;9;</a:t>
             </a:r>
-            <a:endParaRPr lang="en-US" altLang="zh-CN" dirty="0" smtClean="0"/>
           </a:p>
           <a:p>
             <a:endParaRPr lang="zh-CN" altLang="en-US" dirty="0"/>
@@ -4188,11 +4261,7 @@
           <a:p>
             <a:r>
               <a:rPr lang="zh-CN" altLang="en-US" dirty="0" smtClean="0"/>
-              <a:t>高级类</a:t>
-            </a:r>
-            <a:r>
-              <a:rPr lang="zh-CN" altLang="en-US" dirty="0" smtClean="0"/>
-              <a:t>型的使用</a:t>
+              <a:t>高级类型的使用</a:t>
             </a:r>
             <a:endParaRPr lang="zh-CN" altLang="en-US" dirty="0"/>
           </a:p>
@@ -4293,6 +4362,13 @@
   <p:clrMapOvr>
     <a:masterClrMapping/>
   </p:clrMapOvr>
+  <p:timing>
+    <p:tnLst>
+      <p:par>
+        <p:cTn id="1" dur="indefinite" restart="never" nodeType="tmRoot"/>
+      </p:par>
+    </p:tnLst>
+  </p:timing>
 </p:sld>
 </file>
 
@@ -4390,6 +4466,13 @@
   <p:clrMapOvr>
     <a:masterClrMapping/>
   </p:clrMapOvr>
+  <p:timing>
+    <p:tnLst>
+      <p:par>
+        <p:cTn id="1" dur="indefinite" restart="never" nodeType="tmRoot"/>
+      </p:par>
+    </p:tnLst>
+  </p:timing>
 </p:sld>
 </file>
 
@@ -4520,11 +4603,7 @@
             </a:r>
             <a:r>
               <a:rPr lang="en-US" altLang="zh-CN" dirty="0" smtClean="0"/>
-              <a:t>&lt;</a:t>
-            </a:r>
-            <a:r>
-              <a:rPr lang="en-US" altLang="zh-CN" dirty="0" smtClean="0"/>
-              <a:t>Integer&gt;();</a:t>
+              <a:t>&lt;Integer&gt;();</a:t>
             </a:r>
           </a:p>
           <a:p>
@@ -4557,6 +4636,13 @@
   <p:clrMapOvr>
     <a:masterClrMapping/>
   </p:clrMapOvr>
+  <p:timing>
+    <p:tnLst>
+      <p:par>
+        <p:cTn id="1" dur="indefinite" restart="never" nodeType="tmRoot"/>
+      </p:par>
+    </p:tnLst>
+  </p:timing>
 </p:sld>
 </file>
 
@@ -4690,11 +4776,7 @@
           <a:p>
             <a:r>
               <a:rPr lang="zh-CN" altLang="en-US" dirty="0" smtClean="0"/>
-              <a:t>例</a:t>
-            </a:r>
-            <a:r>
-              <a:rPr lang="zh-CN" altLang="en-US" dirty="0" smtClean="0"/>
-              <a:t>如</a:t>
+              <a:t>例如</a:t>
             </a:r>
             <a:endParaRPr lang="en-US" altLang="zh-CN" dirty="0" smtClean="0"/>
           </a:p>
@@ -4706,7 +4788,11 @@
             </a:r>
             <a:r>
               <a:rPr lang="en-US" altLang="zh-CN" dirty="0" smtClean="0"/>
-              <a:t>&lt;String, Integer&gt; </a:t>
+              <a:t>&lt;String, </a:t>
+            </a:r>
+            <a:r>
+              <a:rPr lang="en-US" altLang="zh-CN" dirty="0" smtClean="0"/>
+              <a:t>Integer&gt; </a:t>
             </a:r>
             <a:r>
               <a:rPr lang="en-US" altLang="zh-CN" dirty="0" err="1" smtClean="0"/>
@@ -4714,11 +4800,7 @@
             </a:r>
             <a:r>
               <a:rPr lang="en-US" altLang="zh-CN" dirty="0" smtClean="0"/>
-              <a:t> = </a:t>
-            </a:r>
-            <a:r>
-              <a:rPr lang="en-US" altLang="zh-CN" dirty="0" smtClean="0"/>
-              <a:t>new </a:t>
+              <a:t> = new </a:t>
             </a:r>
             <a:r>
               <a:rPr lang="en-US" altLang="zh-CN" dirty="0" err="1" smtClean="0"/>
@@ -4726,7 +4808,11 @@
             </a:r>
             <a:r>
               <a:rPr lang="en-US" altLang="zh-CN" dirty="0" smtClean="0"/>
-              <a:t>&lt;String, Integer&gt; </a:t>
+              <a:t>&lt;String, </a:t>
+            </a:r>
+            <a:r>
+              <a:rPr lang="en-US" altLang="zh-CN" dirty="0" smtClean="0"/>
+              <a:t>Integer&gt; </a:t>
             </a:r>
             <a:r>
               <a:rPr lang="en-US" altLang="zh-CN" dirty="0" smtClean="0"/>
@@ -4741,7 +4827,7 @@
             </a:r>
             <a:r>
               <a:rPr lang="en-US" altLang="zh-CN" dirty="0" smtClean="0"/>
-              <a:t>(“name”, “Zhu Tao”);</a:t>
+              <a:t>(“age”,30);</a:t>
             </a:r>
           </a:p>
           <a:p>
@@ -4752,8 +4838,13 @@
             </a:r>
             <a:r>
               <a:rPr lang="en-US" altLang="zh-CN" dirty="0" smtClean="0"/>
-              <a:t>(“gender”, “Male”);</a:t>
-            </a:r>
+              <a:t>(“gender</a:t>
+            </a:r>
+            <a:r>
+              <a:rPr lang="en-US" altLang="zh-CN" dirty="0" smtClean="0"/>
+              <a:t>”,1);</a:t>
+            </a:r>
+            <a:endParaRPr lang="en-US" altLang="zh-CN" dirty="0" smtClean="0"/>
           </a:p>
           <a:p>
             <a:pPr lvl="1"/>
@@ -4771,8 +4862,11 @@
             </a:r>
             <a:r>
               <a:rPr lang="en-US" altLang="zh-CN" dirty="0" smtClean="0"/>
-              <a:t>(“name”));</a:t>
-            </a:r>
+              <a:t>(“age”));</a:t>
+            </a:r>
+          </a:p>
+          <a:p>
+            <a:pPr lvl="1"/>
             <a:endParaRPr lang="zh-CN" altLang="en-US" dirty="0"/>
           </a:p>
         </p:txBody>
@@ -4782,6 +4876,13 @@
   <p:clrMapOvr>
     <a:masterClrMapping/>
   </p:clrMapOvr>
+  <p:timing>
+    <p:tnLst>
+      <p:par>
+        <p:cTn id="1" dur="indefinite" restart="never" nodeType="tmRoot"/>
+      </p:par>
+    </p:tnLst>
+  </p:timing>
 </p:sld>
 </file>
 
@@ -4817,11 +4918,7 @@
           <a:bodyPr/>
           <a:lstStyle/>
           <a:p>
-            <a:r>
-              <a:rPr lang="zh-CN" altLang="en-US" dirty="0" smtClean="0"/>
-              <a:t>练习</a:t>
-            </a:r>
-            <a:endParaRPr lang="zh-CN" altLang="en-US" dirty="0"/>
+            <a:endParaRPr lang="zh-CN" altLang="en-US"/>
           </a:p>
         </p:txBody>
       </p:sp>
@@ -4841,46 +4938,45 @@
           <a:lstStyle/>
           <a:p>
             <a:r>
-              <a:rPr lang="zh-CN" altLang="en-US" dirty="0" smtClean="0"/>
-              <a:t>练习所有的基本类型和高级类型</a:t>
+              <a:rPr lang="en-US" altLang="zh-CN" dirty="0" smtClean="0"/>
+              <a:t>x = {</a:t>
+            </a:r>
+          </a:p>
+          <a:p>
+            <a:r>
+              <a:rPr lang="en-US" altLang="zh-CN" dirty="0" smtClean="0"/>
+              <a:t>  “name”: “Zhu Tao”,</a:t>
+            </a:r>
+          </a:p>
+          <a:p>
+            <a:r>
+              <a:rPr lang="en-US" altLang="zh-CN" dirty="0" smtClean="0"/>
+              <a:t> </a:t>
+            </a:r>
+            <a:r>
+              <a:rPr lang="en-US" altLang="zh-CN" dirty="0" smtClean="0"/>
+              <a:t> “gender”: “Male”</a:t>
             </a:r>
             <a:endParaRPr lang="en-US" altLang="zh-CN" dirty="0" smtClean="0"/>
           </a:p>
           <a:p>
             <a:r>
-              <a:rPr lang="zh-CN" altLang="en-US" dirty="0" smtClean="0"/>
-              <a:t>特</a:t>
-            </a:r>
-            <a:r>
-              <a:rPr lang="zh-CN" altLang="en-US" dirty="0" smtClean="0"/>
-              <a:t>别练习</a:t>
-            </a:r>
-            <a:r>
-              <a:rPr lang="en-US" altLang="zh-CN" dirty="0" err="1" smtClean="0"/>
-              <a:t>StringBuffer</a:t>
-            </a:r>
-            <a:r>
-              <a:rPr lang="en-US" altLang="zh-CN" dirty="0" smtClean="0"/>
-              <a:t>, </a:t>
-            </a:r>
-            <a:r>
-              <a:rPr lang="en-US" altLang="zh-CN" dirty="0" err="1" smtClean="0"/>
-              <a:t>ArrayList</a:t>
-            </a:r>
-            <a:r>
-              <a:rPr lang="en-US" altLang="zh-CN" dirty="0" smtClean="0"/>
-              <a:t>, </a:t>
-            </a:r>
-            <a:r>
-              <a:rPr lang="en-US" altLang="zh-CN" dirty="0" err="1" smtClean="0"/>
-              <a:t>HashMap</a:t>
-            </a:r>
-            <a:endParaRPr lang="zh-CN" altLang="en-US" dirty="0" smtClean="0"/>
-          </a:p>
-          <a:p>
-            <a:endParaRPr lang="zh-CN" altLang="en-US" dirty="0" smtClean="0"/>
-          </a:p>
-          <a:p>
+              <a:rPr lang="en-US" altLang="zh-CN" dirty="0" smtClean="0"/>
+              <a:t>}</a:t>
+            </a:r>
+          </a:p>
+          <a:p>
+            <a:endParaRPr lang="en-US" altLang="zh-CN" dirty="0" smtClean="0"/>
+          </a:p>
+          <a:p>
+            <a:r>
+              <a:rPr lang="en-US" altLang="zh-CN" dirty="0" err="1" smtClean="0"/>
+              <a:t>x.get</a:t>
+            </a:r>
+            <a:r>
+              <a:rPr lang="en-US" altLang="zh-CN" dirty="0" smtClean="0"/>
+              <a:t>(“name”)  # Zhu Tao</a:t>
+            </a:r>
             <a:endParaRPr lang="zh-CN" altLang="en-US" dirty="0"/>
           </a:p>
         </p:txBody>
